--- a/Docs/DacmCase Presentation.pptx
+++ b/Docs/DacmCase Presentation.pptx
@@ -13168,15 +13168,13 @@
         </p:blipFill>
         <p:spPr>
           <a:xfrm>
-            <a:off x="652600" y="416600"/>
-            <a:ext cx="7544799" cy="3993375"/>
+            <a:off x="718875" y="228600"/>
+            <a:ext cx="7627298" cy="4717625"/>
           </a:xfrm>
           <a:prstGeom prst="rect">
             <a:avLst/>
           </a:prstGeom>
-          <a:solidFill>
-            <a:schemeClr val="lt1"/>
-          </a:solidFill>
+          <a:noFill/>
           <a:ln>
             <a:noFill/>
           </a:ln>
